--- a/doc/Modello ER database fuemetti.pptx
+++ b/doc/Modello ER database fuemetti.pptx
@@ -271,7 +271,7 @@
           <a:p>
             <a:fld id="{088067D6-97EC-48D0-BD15-639A95900B20}" type="datetimeFigureOut">
               <a:rPr lang="it-IT" smtClean="0"/>
-              <a:t>24/10/2018</a:t>
+              <a:t>02/07/2020</a:t>
             </a:fld>
             <a:endParaRPr lang="it-IT"/>
           </a:p>
@@ -469,7 +469,7 @@
           <a:p>
             <a:fld id="{088067D6-97EC-48D0-BD15-639A95900B20}" type="datetimeFigureOut">
               <a:rPr lang="it-IT" smtClean="0"/>
-              <a:t>24/10/2018</a:t>
+              <a:t>02/07/2020</a:t>
             </a:fld>
             <a:endParaRPr lang="it-IT"/>
           </a:p>
@@ -677,7 +677,7 @@
           <a:p>
             <a:fld id="{088067D6-97EC-48D0-BD15-639A95900B20}" type="datetimeFigureOut">
               <a:rPr lang="it-IT" smtClean="0"/>
-              <a:t>24/10/2018</a:t>
+              <a:t>02/07/2020</a:t>
             </a:fld>
             <a:endParaRPr lang="it-IT"/>
           </a:p>
@@ -875,7 +875,7 @@
           <a:p>
             <a:fld id="{088067D6-97EC-48D0-BD15-639A95900B20}" type="datetimeFigureOut">
               <a:rPr lang="it-IT" smtClean="0"/>
-              <a:t>24/10/2018</a:t>
+              <a:t>02/07/2020</a:t>
             </a:fld>
             <a:endParaRPr lang="it-IT"/>
           </a:p>
@@ -1150,7 +1150,7 @@
           <a:p>
             <a:fld id="{088067D6-97EC-48D0-BD15-639A95900B20}" type="datetimeFigureOut">
               <a:rPr lang="it-IT" smtClean="0"/>
-              <a:t>24/10/2018</a:t>
+              <a:t>02/07/2020</a:t>
             </a:fld>
             <a:endParaRPr lang="it-IT"/>
           </a:p>
@@ -1415,7 +1415,7 @@
           <a:p>
             <a:fld id="{088067D6-97EC-48D0-BD15-639A95900B20}" type="datetimeFigureOut">
               <a:rPr lang="it-IT" smtClean="0"/>
-              <a:t>24/10/2018</a:t>
+              <a:t>02/07/2020</a:t>
             </a:fld>
             <a:endParaRPr lang="it-IT"/>
           </a:p>
@@ -1827,7 +1827,7 @@
           <a:p>
             <a:fld id="{088067D6-97EC-48D0-BD15-639A95900B20}" type="datetimeFigureOut">
               <a:rPr lang="it-IT" smtClean="0"/>
-              <a:t>24/10/2018</a:t>
+              <a:t>02/07/2020</a:t>
             </a:fld>
             <a:endParaRPr lang="it-IT"/>
           </a:p>
@@ -1968,7 +1968,7 @@
           <a:p>
             <a:fld id="{088067D6-97EC-48D0-BD15-639A95900B20}" type="datetimeFigureOut">
               <a:rPr lang="it-IT" smtClean="0"/>
-              <a:t>24/10/2018</a:t>
+              <a:t>02/07/2020</a:t>
             </a:fld>
             <a:endParaRPr lang="it-IT"/>
           </a:p>
@@ -2081,7 +2081,7 @@
           <a:p>
             <a:fld id="{088067D6-97EC-48D0-BD15-639A95900B20}" type="datetimeFigureOut">
               <a:rPr lang="it-IT" smtClean="0"/>
-              <a:t>24/10/2018</a:t>
+              <a:t>02/07/2020</a:t>
             </a:fld>
             <a:endParaRPr lang="it-IT"/>
           </a:p>
@@ -2392,7 +2392,7 @@
           <a:p>
             <a:fld id="{088067D6-97EC-48D0-BD15-639A95900B20}" type="datetimeFigureOut">
               <a:rPr lang="it-IT" smtClean="0"/>
-              <a:t>24/10/2018</a:t>
+              <a:t>02/07/2020</a:t>
             </a:fld>
             <a:endParaRPr lang="it-IT"/>
           </a:p>
@@ -2680,7 +2680,7 @@
           <a:p>
             <a:fld id="{088067D6-97EC-48D0-BD15-639A95900B20}" type="datetimeFigureOut">
               <a:rPr lang="it-IT" smtClean="0"/>
-              <a:t>24/10/2018</a:t>
+              <a:t>02/07/2020</a:t>
             </a:fld>
             <a:endParaRPr lang="it-IT"/>
           </a:p>
@@ -2921,7 +2921,7 @@
           <a:p>
             <a:fld id="{088067D6-97EC-48D0-BD15-639A95900B20}" type="datetimeFigureOut">
               <a:rPr lang="it-IT" smtClean="0"/>
-              <a:t>24/10/2018</a:t>
+              <a:t>02/07/2020</a:t>
             </a:fld>
             <a:endParaRPr lang="it-IT"/>
           </a:p>
@@ -3740,15 +3740,22 @@
           <a:p>
             <a:pPr algn="ctr"/>
             <a:r>
-              <a:rPr lang="it-IT" sz="1200" dirty="0">
+              <a:rPr lang="it-IT" sz="1200">
                 <a:solidFill>
                   <a:schemeClr val="tx1"/>
                 </a:solidFill>
                 <a:latin typeface="Times New Roman" panose="02020603050405020304" pitchFamily="18" charset="0"/>
                 <a:cs typeface="Times New Roman" panose="02020603050405020304" pitchFamily="18" charset="0"/>
               </a:rPr>
-              <a:t>Serie</a:t>
-            </a:r>
+              <a:t>Collana</a:t>
+            </a:r>
+            <a:endParaRPr lang="it-IT" sz="1200" dirty="0">
+              <a:solidFill>
+                <a:schemeClr val="tx1"/>
+              </a:solidFill>
+              <a:latin typeface="Times New Roman" panose="02020603050405020304" pitchFamily="18" charset="0"/>
+              <a:cs typeface="Times New Roman" panose="02020603050405020304" pitchFamily="18" charset="0"/>
+            </a:endParaRPr>
           </a:p>
         </p:txBody>
       </p:sp>

--- a/doc/Modello ER database fuemetti.pptx
+++ b/doc/Modello ER database fuemetti.pptx
@@ -271,7 +271,7 @@
           <a:p>
             <a:fld id="{088067D6-97EC-48D0-BD15-639A95900B20}" type="datetimeFigureOut">
               <a:rPr lang="it-IT" smtClean="0"/>
-              <a:t>02/07/2020</a:t>
+              <a:t>06/07/2020</a:t>
             </a:fld>
             <a:endParaRPr lang="it-IT"/>
           </a:p>
@@ -469,7 +469,7 @@
           <a:p>
             <a:fld id="{088067D6-97EC-48D0-BD15-639A95900B20}" type="datetimeFigureOut">
               <a:rPr lang="it-IT" smtClean="0"/>
-              <a:t>02/07/2020</a:t>
+              <a:t>06/07/2020</a:t>
             </a:fld>
             <a:endParaRPr lang="it-IT"/>
           </a:p>
@@ -677,7 +677,7 @@
           <a:p>
             <a:fld id="{088067D6-97EC-48D0-BD15-639A95900B20}" type="datetimeFigureOut">
               <a:rPr lang="it-IT" smtClean="0"/>
-              <a:t>02/07/2020</a:t>
+              <a:t>06/07/2020</a:t>
             </a:fld>
             <a:endParaRPr lang="it-IT"/>
           </a:p>
@@ -875,7 +875,7 @@
           <a:p>
             <a:fld id="{088067D6-97EC-48D0-BD15-639A95900B20}" type="datetimeFigureOut">
               <a:rPr lang="it-IT" smtClean="0"/>
-              <a:t>02/07/2020</a:t>
+              <a:t>06/07/2020</a:t>
             </a:fld>
             <a:endParaRPr lang="it-IT"/>
           </a:p>
@@ -1150,7 +1150,7 @@
           <a:p>
             <a:fld id="{088067D6-97EC-48D0-BD15-639A95900B20}" type="datetimeFigureOut">
               <a:rPr lang="it-IT" smtClean="0"/>
-              <a:t>02/07/2020</a:t>
+              <a:t>06/07/2020</a:t>
             </a:fld>
             <a:endParaRPr lang="it-IT"/>
           </a:p>
@@ -1415,7 +1415,7 @@
           <a:p>
             <a:fld id="{088067D6-97EC-48D0-BD15-639A95900B20}" type="datetimeFigureOut">
               <a:rPr lang="it-IT" smtClean="0"/>
-              <a:t>02/07/2020</a:t>
+              <a:t>06/07/2020</a:t>
             </a:fld>
             <a:endParaRPr lang="it-IT"/>
           </a:p>
@@ -1827,7 +1827,7 @@
           <a:p>
             <a:fld id="{088067D6-97EC-48D0-BD15-639A95900B20}" type="datetimeFigureOut">
               <a:rPr lang="it-IT" smtClean="0"/>
-              <a:t>02/07/2020</a:t>
+              <a:t>06/07/2020</a:t>
             </a:fld>
             <a:endParaRPr lang="it-IT"/>
           </a:p>
@@ -1968,7 +1968,7 @@
           <a:p>
             <a:fld id="{088067D6-97EC-48D0-BD15-639A95900B20}" type="datetimeFigureOut">
               <a:rPr lang="it-IT" smtClean="0"/>
-              <a:t>02/07/2020</a:t>
+              <a:t>06/07/2020</a:t>
             </a:fld>
             <a:endParaRPr lang="it-IT"/>
           </a:p>
@@ -2081,7 +2081,7 @@
           <a:p>
             <a:fld id="{088067D6-97EC-48D0-BD15-639A95900B20}" type="datetimeFigureOut">
               <a:rPr lang="it-IT" smtClean="0"/>
-              <a:t>02/07/2020</a:t>
+              <a:t>06/07/2020</a:t>
             </a:fld>
             <a:endParaRPr lang="it-IT"/>
           </a:p>
@@ -2392,7 +2392,7 @@
           <a:p>
             <a:fld id="{088067D6-97EC-48D0-BD15-639A95900B20}" type="datetimeFigureOut">
               <a:rPr lang="it-IT" smtClean="0"/>
-              <a:t>02/07/2020</a:t>
+              <a:t>06/07/2020</a:t>
             </a:fld>
             <a:endParaRPr lang="it-IT"/>
           </a:p>
@@ -2680,7 +2680,7 @@
           <a:p>
             <a:fld id="{088067D6-97EC-48D0-BD15-639A95900B20}" type="datetimeFigureOut">
               <a:rPr lang="it-IT" smtClean="0"/>
-              <a:t>02/07/2020</a:t>
+              <a:t>06/07/2020</a:t>
             </a:fld>
             <a:endParaRPr lang="it-IT"/>
           </a:p>
@@ -2921,7 +2921,7 @@
           <a:p>
             <a:fld id="{088067D6-97EC-48D0-BD15-639A95900B20}" type="datetimeFigureOut">
               <a:rPr lang="it-IT" smtClean="0"/>
-              <a:t>02/07/2020</a:t>
+              <a:t>06/07/2020</a:t>
             </a:fld>
             <a:endParaRPr lang="it-IT"/>
           </a:p>
@@ -4039,15 +4039,22 @@
           <a:p>
             <a:pPr algn="ctr"/>
             <a:r>
-              <a:rPr lang="it-IT" sz="1200" dirty="0">
+              <a:rPr lang="it-IT" sz="1200">
                 <a:solidFill>
                   <a:schemeClr val="tx1"/>
                 </a:solidFill>
                 <a:latin typeface="Times New Roman" panose="02020603050405020304" pitchFamily="18" charset="0"/>
                 <a:cs typeface="Times New Roman" panose="02020603050405020304" pitchFamily="18" charset="0"/>
               </a:rPr>
-              <a:t>Titolo</a:t>
-            </a:r>
+              <a:t>Nome</a:t>
+            </a:r>
+            <a:endParaRPr lang="it-IT" sz="1200" dirty="0">
+              <a:solidFill>
+                <a:schemeClr val="tx1"/>
+              </a:solidFill>
+              <a:latin typeface="Times New Roman" panose="02020603050405020304" pitchFamily="18" charset="0"/>
+              <a:cs typeface="Times New Roman" panose="02020603050405020304" pitchFamily="18" charset="0"/>
+            </a:endParaRPr>
           </a:p>
         </p:txBody>
       </p:sp>

--- a/doc/Modello ER database fuemetti.pptx
+++ b/doc/Modello ER database fuemetti.pptx
@@ -271,7 +271,7 @@
           <a:p>
             <a:fld id="{088067D6-97EC-48D0-BD15-639A95900B20}" type="datetimeFigureOut">
               <a:rPr lang="it-IT" smtClean="0"/>
-              <a:t>06/07/2020</a:t>
+              <a:t>31/08/2020</a:t>
             </a:fld>
             <a:endParaRPr lang="it-IT"/>
           </a:p>
@@ -469,7 +469,7 @@
           <a:p>
             <a:fld id="{088067D6-97EC-48D0-BD15-639A95900B20}" type="datetimeFigureOut">
               <a:rPr lang="it-IT" smtClean="0"/>
-              <a:t>06/07/2020</a:t>
+              <a:t>31/08/2020</a:t>
             </a:fld>
             <a:endParaRPr lang="it-IT"/>
           </a:p>
@@ -677,7 +677,7 @@
           <a:p>
             <a:fld id="{088067D6-97EC-48D0-BD15-639A95900B20}" type="datetimeFigureOut">
               <a:rPr lang="it-IT" smtClean="0"/>
-              <a:t>06/07/2020</a:t>
+              <a:t>31/08/2020</a:t>
             </a:fld>
             <a:endParaRPr lang="it-IT"/>
           </a:p>
@@ -875,7 +875,7 @@
           <a:p>
             <a:fld id="{088067D6-97EC-48D0-BD15-639A95900B20}" type="datetimeFigureOut">
               <a:rPr lang="it-IT" smtClean="0"/>
-              <a:t>06/07/2020</a:t>
+              <a:t>31/08/2020</a:t>
             </a:fld>
             <a:endParaRPr lang="it-IT"/>
           </a:p>
@@ -1150,7 +1150,7 @@
           <a:p>
             <a:fld id="{088067D6-97EC-48D0-BD15-639A95900B20}" type="datetimeFigureOut">
               <a:rPr lang="it-IT" smtClean="0"/>
-              <a:t>06/07/2020</a:t>
+              <a:t>31/08/2020</a:t>
             </a:fld>
             <a:endParaRPr lang="it-IT"/>
           </a:p>
@@ -1415,7 +1415,7 @@
           <a:p>
             <a:fld id="{088067D6-97EC-48D0-BD15-639A95900B20}" type="datetimeFigureOut">
               <a:rPr lang="it-IT" smtClean="0"/>
-              <a:t>06/07/2020</a:t>
+              <a:t>31/08/2020</a:t>
             </a:fld>
             <a:endParaRPr lang="it-IT"/>
           </a:p>
@@ -1827,7 +1827,7 @@
           <a:p>
             <a:fld id="{088067D6-97EC-48D0-BD15-639A95900B20}" type="datetimeFigureOut">
               <a:rPr lang="it-IT" smtClean="0"/>
-              <a:t>06/07/2020</a:t>
+              <a:t>31/08/2020</a:t>
             </a:fld>
             <a:endParaRPr lang="it-IT"/>
           </a:p>
@@ -1968,7 +1968,7 @@
           <a:p>
             <a:fld id="{088067D6-97EC-48D0-BD15-639A95900B20}" type="datetimeFigureOut">
               <a:rPr lang="it-IT" smtClean="0"/>
-              <a:t>06/07/2020</a:t>
+              <a:t>31/08/2020</a:t>
             </a:fld>
             <a:endParaRPr lang="it-IT"/>
           </a:p>
@@ -2081,7 +2081,7 @@
           <a:p>
             <a:fld id="{088067D6-97EC-48D0-BD15-639A95900B20}" type="datetimeFigureOut">
               <a:rPr lang="it-IT" smtClean="0"/>
-              <a:t>06/07/2020</a:t>
+              <a:t>31/08/2020</a:t>
             </a:fld>
             <a:endParaRPr lang="it-IT"/>
           </a:p>
@@ -2392,7 +2392,7 @@
           <a:p>
             <a:fld id="{088067D6-97EC-48D0-BD15-639A95900B20}" type="datetimeFigureOut">
               <a:rPr lang="it-IT" smtClean="0"/>
-              <a:t>06/07/2020</a:t>
+              <a:t>31/08/2020</a:t>
             </a:fld>
             <a:endParaRPr lang="it-IT"/>
           </a:p>
@@ -2680,7 +2680,7 @@
           <a:p>
             <a:fld id="{088067D6-97EC-48D0-BD15-639A95900B20}" type="datetimeFigureOut">
               <a:rPr lang="it-IT" smtClean="0"/>
-              <a:t>06/07/2020</a:t>
+              <a:t>31/08/2020</a:t>
             </a:fld>
             <a:endParaRPr lang="it-IT"/>
           </a:p>
@@ -2921,7 +2921,7 @@
           <a:p>
             <a:fld id="{088067D6-97EC-48D0-BD15-639A95900B20}" type="datetimeFigureOut">
               <a:rPr lang="it-IT" smtClean="0"/>
-              <a:t>06/07/2020</a:t>
+              <a:t>31/08/2020</a:t>
             </a:fld>
             <a:endParaRPr lang="it-IT"/>
           </a:p>
@@ -5849,140 +5849,6 @@
           </a:fontRef>
         </p:style>
       </p:cxnSp>
-      <p:sp>
-        <p:nvSpPr>
-          <p:cNvPr id="58" name="Decisione 57">
-            <a:extLst>
-              <a:ext uri="{FF2B5EF4-FFF2-40B4-BE49-F238E27FC236}">
-                <a16:creationId xmlns:a16="http://schemas.microsoft.com/office/drawing/2014/main" id="{30690B50-80A1-4F71-91C0-2A87AFB1C37F}"/>
-              </a:ext>
-            </a:extLst>
-          </p:cNvPr>
-          <p:cNvSpPr/>
-          <p:nvPr/>
-        </p:nvSpPr>
-        <p:spPr>
-          <a:xfrm>
-            <a:off x="8088660" y="6014114"/>
-            <a:ext cx="1861481" cy="419146"/>
-          </a:xfrm>
-          <a:prstGeom prst="flowChartDecision">
-            <a:avLst/>
-          </a:prstGeom>
-          <a:noFill/>
-        </p:spPr>
-        <p:style>
-          <a:lnRef idx="2">
-            <a:schemeClr val="accent1">
-              <a:shade val="50000"/>
-            </a:schemeClr>
-          </a:lnRef>
-          <a:fillRef idx="1">
-            <a:schemeClr val="accent1"/>
-          </a:fillRef>
-          <a:effectRef idx="0">
-            <a:schemeClr val="accent1"/>
-          </a:effectRef>
-          <a:fontRef idx="minor">
-            <a:schemeClr val="lt1"/>
-          </a:fontRef>
-        </p:style>
-        <p:txBody>
-          <a:bodyPr rtlCol="0" anchor="ctr"/>
-          <a:lstStyle/>
-          <a:p>
-            <a:pPr algn="ctr"/>
-            <a:r>
-              <a:rPr lang="it-IT" sz="1200" dirty="0">
-                <a:solidFill>
-                  <a:schemeClr val="tx1"/>
-                </a:solidFill>
-              </a:rPr>
-              <a:t>ha</a:t>
-            </a:r>
-          </a:p>
-        </p:txBody>
-      </p:sp>
-      <p:cxnSp>
-        <p:nvCxnSpPr>
-          <p:cNvPr id="10" name="Connettore a gomito 9">
-            <a:extLst>
-              <a:ext uri="{FF2B5EF4-FFF2-40B4-BE49-F238E27FC236}">
-                <a16:creationId xmlns:a16="http://schemas.microsoft.com/office/drawing/2014/main" id="{4D452018-4DE9-44CC-97E3-C30B137499A2}"/>
-              </a:ext>
-            </a:extLst>
-          </p:cNvPr>
-          <p:cNvCxnSpPr>
-            <a:stCxn id="84" idx="2"/>
-            <a:endCxn id="58" idx="1"/>
-          </p:cNvCxnSpPr>
-          <p:nvPr/>
-        </p:nvCxnSpPr>
-        <p:spPr>
-          <a:xfrm rot="16200000" flipH="1">
-            <a:off x="7453009" y="5588036"/>
-            <a:ext cx="688450" cy="582851"/>
-          </a:xfrm>
-          <a:prstGeom prst="bentConnector2">
-            <a:avLst/>
-          </a:prstGeom>
-          <a:ln w="31750"/>
-        </p:spPr>
-        <p:style>
-          <a:lnRef idx="1">
-            <a:schemeClr val="accent1"/>
-          </a:lnRef>
-          <a:fillRef idx="0">
-            <a:schemeClr val="accent1"/>
-          </a:fillRef>
-          <a:effectRef idx="0">
-            <a:schemeClr val="accent1"/>
-          </a:effectRef>
-          <a:fontRef idx="minor">
-            <a:schemeClr val="tx1"/>
-          </a:fontRef>
-        </p:style>
-      </p:cxnSp>
-      <p:cxnSp>
-        <p:nvCxnSpPr>
-          <p:cNvPr id="12" name="Connettore a gomito 11">
-            <a:extLst>
-              <a:ext uri="{FF2B5EF4-FFF2-40B4-BE49-F238E27FC236}">
-                <a16:creationId xmlns:a16="http://schemas.microsoft.com/office/drawing/2014/main" id="{A4FB0C48-58E7-4663-8AF9-7DD14C3F6E13}"/>
-              </a:ext>
-            </a:extLst>
-          </p:cNvPr>
-          <p:cNvCxnSpPr>
-            <a:stCxn id="58" idx="3"/>
-            <a:endCxn id="52" idx="2"/>
-          </p:cNvCxnSpPr>
-          <p:nvPr/>
-        </p:nvCxnSpPr>
-        <p:spPr>
-          <a:xfrm flipV="1">
-            <a:off x="9950141" y="5527142"/>
-            <a:ext cx="613638" cy="696545"/>
-          </a:xfrm>
-          <a:prstGeom prst="bentConnector2">
-            <a:avLst/>
-          </a:prstGeom>
-          <a:ln w="31750"/>
-        </p:spPr>
-        <p:style>
-          <a:lnRef idx="1">
-            <a:schemeClr val="accent1"/>
-          </a:lnRef>
-          <a:fillRef idx="0">
-            <a:schemeClr val="accent1"/>
-          </a:fillRef>
-          <a:effectRef idx="0">
-            <a:schemeClr val="accent1"/>
-          </a:effectRef>
-          <a:fontRef idx="minor">
-            <a:schemeClr val="tx1"/>
-          </a:fontRef>
-        </p:style>
-      </p:cxnSp>
       <p:cxnSp>
         <p:nvCxnSpPr>
           <p:cNvPr id="33" name="Connettore diritto 32">
@@ -6246,6 +6112,85 @@
           <a:prstGeom prst="line">
             <a:avLst/>
           </a:prstGeom>
+        </p:spPr>
+        <p:style>
+          <a:lnRef idx="1">
+            <a:schemeClr val="accent1"/>
+          </a:lnRef>
+          <a:fillRef idx="0">
+            <a:schemeClr val="accent1"/>
+          </a:fillRef>
+          <a:effectRef idx="0">
+            <a:schemeClr val="accent1"/>
+          </a:effectRef>
+          <a:fontRef idx="minor">
+            <a:schemeClr val="tx1"/>
+          </a:fontRef>
+        </p:style>
+      </p:cxnSp>
+      <p:cxnSp>
+        <p:nvCxnSpPr>
+          <p:cNvPr id="16" name="Connettore a gomito 15">
+            <a:extLst>
+              <a:ext uri="{FF2B5EF4-FFF2-40B4-BE49-F238E27FC236}">
+                <a16:creationId xmlns:a16="http://schemas.microsoft.com/office/drawing/2014/main" id="{A7D4B442-6889-441E-A514-7C14B7BB2FD7}"/>
+              </a:ext>
+            </a:extLst>
+          </p:cNvPr>
+          <p:cNvCxnSpPr>
+            <a:cxnSpLocks/>
+            <a:stCxn id="94" idx="2"/>
+          </p:cNvCxnSpPr>
+          <p:nvPr/>
+        </p:nvCxnSpPr>
+        <p:spPr>
+          <a:xfrm rot="16200000" flipH="1">
+            <a:off x="7014647" y="2746976"/>
+            <a:ext cx="753070" cy="6345197"/>
+          </a:xfrm>
+          <a:prstGeom prst="bentConnector2">
+            <a:avLst/>
+          </a:prstGeom>
+          <a:ln w="31750"/>
+        </p:spPr>
+        <p:style>
+          <a:lnRef idx="1">
+            <a:schemeClr val="accent1"/>
+          </a:lnRef>
+          <a:fillRef idx="0">
+            <a:schemeClr val="accent1"/>
+          </a:fillRef>
+          <a:effectRef idx="0">
+            <a:schemeClr val="accent1"/>
+          </a:effectRef>
+          <a:fontRef idx="minor">
+            <a:schemeClr val="tx1"/>
+          </a:fontRef>
+        </p:style>
+      </p:cxnSp>
+      <p:cxnSp>
+        <p:nvCxnSpPr>
+          <p:cNvPr id="23" name="Connettore diritto 22">
+            <a:extLst>
+              <a:ext uri="{FF2B5EF4-FFF2-40B4-BE49-F238E27FC236}">
+                <a16:creationId xmlns:a16="http://schemas.microsoft.com/office/drawing/2014/main" id="{4598BD47-3F2F-4A78-94F0-F12D8907E68D}"/>
+              </a:ext>
+            </a:extLst>
+          </p:cNvPr>
+          <p:cNvCxnSpPr>
+            <a:endCxn id="52" idx="2"/>
+          </p:cNvCxnSpPr>
+          <p:nvPr/>
+        </p:nvCxnSpPr>
+        <p:spPr>
+          <a:xfrm flipV="1">
+            <a:off x="10563779" y="5527142"/>
+            <a:ext cx="0" cy="768966"/>
+          </a:xfrm>
+          <a:prstGeom prst="line">
+            <a:avLst/>
+          </a:prstGeom>
+          <a:ln w="31750"/>
         </p:spPr>
         <p:style>
           <a:lnRef idx="1">
